--- a/Sony_Poster.pptx
+++ b/Sony_Poster.pptx
@@ -242,8 +242,11 @@
     </a:lvl9pPr>
   </p:defaultTextStyle>
   <p:extLst>
+    <p:ext uri="{EFAFB233-063F-42B5-8137-9DF3F51BA10A}">
+      <p15:sldGuideLst xmlns:p15="http://schemas.microsoft.com/office/powerpoint/2012/main"/>
+    </p:ext>
     <p:ext uri="http://customooxmlschemas.google.com/">
-      <go:slidesCustomData xmlns:go="http://customooxmlschemas.google.com/" xmlns:p15="http://schemas.microsoft.com/office/powerpoint/2012/main" xmlns:p14="http://schemas.microsoft.com/office/powerpoint/2010/main" xmlns:com="http://schemas.openxmlformats.org/drawingml/2006/compatibility" xmlns:pvml="urn:schemas-microsoft-com:office:powerpoint" xmlns:v="urn:schemas-microsoft-com:vml" xmlns:o="urn:schemas-microsoft-com:office:office" xmlns:dgm="http://schemas.openxmlformats.org/drawingml/2006/diagram" xmlns:c="http://schemas.openxmlformats.org/drawingml/2006/chart" xmlns:mv="urn:schemas-microsoft-com:mac:vml" xmlns:mc="http://schemas.openxmlformats.org/markup-compatibility/2006" xmlns="" r:id="rId7" roundtripDataSignature="AMtx7mhLFngkMTy56aMr5fm2iMEFdctUjw=="/>
+      <go:slidesCustomData xmlns="" xmlns:mc="http://schemas.openxmlformats.org/markup-compatibility/2006" xmlns:mv="urn:schemas-microsoft-com:mac:vml" xmlns:c="http://schemas.openxmlformats.org/drawingml/2006/chart" xmlns:dgm="http://schemas.openxmlformats.org/drawingml/2006/diagram" xmlns:o="urn:schemas-microsoft-com:office:office" xmlns:v="urn:schemas-microsoft-com:vml" xmlns:pvml="urn:schemas-microsoft-com:office:powerpoint" xmlns:com="http://schemas.openxmlformats.org/drawingml/2006/compatibility" xmlns:p14="http://schemas.microsoft.com/office/powerpoint/2010/main" xmlns:p15="http://schemas.microsoft.com/office/powerpoint/2012/main" xmlns:go="http://customooxmlschemas.google.com/" r:id="rId7" roundtripDataSignature="AMtx7mhLFngkMTy56aMr5fm2iMEFdctUjw=="/>
     </p:ext>
   </p:extLst>
 </p:presentation>
@@ -19536,34 +19539,6 @@
           </a:p>
         </p:txBody>
       </p:sp>
-      <p:pic>
-        <p:nvPicPr>
-          <p:cNvPr id="156" name="Google Shape;156;p1"/>
-          <p:cNvPicPr preferRelativeResize="0"/>
-          <p:nvPr/>
-        </p:nvPicPr>
-        <p:blipFill>
-          <a:blip r:embed="rId12">
-            <a:alphaModFix/>
-          </a:blip>
-          <a:stretch>
-            <a:fillRect/>
-          </a:stretch>
-        </p:blipFill>
-        <p:spPr>
-          <a:xfrm>
-            <a:off x="14116550" y="4344223"/>
-            <a:ext cx="5746700" cy="2863627"/>
-          </a:xfrm>
-          <a:prstGeom prst="rect">
-            <a:avLst/>
-          </a:prstGeom>
-          <a:noFill/>
-          <a:ln>
-            <a:noFill/>
-          </a:ln>
-        </p:spPr>
-      </p:pic>
       <p:sp>
         <p:nvSpPr>
           <p:cNvPr id="157" name="Google Shape;157;p1"/>
@@ -21640,7 +21615,7 @@
           <p:nvPr/>
         </p:nvPicPr>
         <p:blipFill>
-          <a:blip r:embed="rId13">
+          <a:blip r:embed="rId12">
             <a:alphaModFix/>
           </a:blip>
           <a:stretch>
@@ -21668,7 +21643,7 @@
           <p:nvPr/>
         </p:nvPicPr>
         <p:blipFill>
-          <a:blip r:embed="rId14">
+          <a:blip r:embed="rId13">
             <a:alphaModFix/>
           </a:blip>
           <a:stretch>
@@ -21696,7 +21671,7 @@
           <p:nvPr/>
         </p:nvPicPr>
         <p:blipFill>
-          <a:blip r:embed="rId15">
+          <a:blip r:embed="rId14">
             <a:alphaModFix/>
           </a:blip>
           <a:stretch>
@@ -21810,7 +21785,7 @@
           <p:nvPr/>
         </p:nvPicPr>
         <p:blipFill>
-          <a:blip r:embed="rId16">
+          <a:blip r:embed="rId15">
             <a:alphaModFix/>
           </a:blip>
           <a:stretch>
@@ -21838,7 +21813,7 @@
           <p:nvPr/>
         </p:nvPicPr>
         <p:blipFill>
-          <a:blip r:embed="rId17">
+          <a:blip r:embed="rId16">
             <a:alphaModFix/>
           </a:blip>
           <a:stretch>
@@ -22285,6 +22260,36 @@
           </a:p>
         </p:txBody>
       </p:sp>
+      <p:pic>
+        <p:nvPicPr>
+          <p:cNvPr id="3" name="Picture 2" descr="A picture containing sky&#10;&#10;Description automatically generated">
+            <a:extLst>
+              <a:ext uri="{FF2B5EF4-FFF2-40B4-BE49-F238E27FC236}">
+                <a16:creationId xmlns:a16="http://schemas.microsoft.com/office/drawing/2014/main" id="{541A5911-904A-43E9-91F4-E3B1571F8E29}"/>
+              </a:ext>
+            </a:extLst>
+          </p:cNvPr>
+          <p:cNvPicPr>
+            <a:picLocks noChangeAspect="1"/>
+          </p:cNvPicPr>
+          <p:nvPr/>
+        </p:nvPicPr>
+        <p:blipFill>
+          <a:blip r:embed="rId17"/>
+          <a:stretch>
+            <a:fillRect/>
+          </a:stretch>
+        </p:blipFill>
+        <p:spPr>
+          <a:xfrm>
+            <a:off x="13725508" y="4420262"/>
+            <a:ext cx="6205732" cy="2323957"/>
+          </a:xfrm>
+          <a:prstGeom prst="rect">
+            <a:avLst/>
+          </a:prstGeom>
+        </p:spPr>
+      </p:pic>
     </p:spTree>
   </p:cSld>
   <p:clrMapOvr>

--- a/Sony_Poster.pptx
+++ b/Sony_Poster.pptx
@@ -246,7 +246,7 @@
       <p15:sldGuideLst xmlns:p15="http://schemas.microsoft.com/office/powerpoint/2012/main"/>
     </p:ext>
     <p:ext uri="http://customooxmlschemas.google.com/">
-      <go:slidesCustomData xmlns="" xmlns:mc="http://schemas.openxmlformats.org/markup-compatibility/2006" xmlns:mv="urn:schemas-microsoft-com:mac:vml" xmlns:c="http://schemas.openxmlformats.org/drawingml/2006/chart" xmlns:dgm="http://schemas.openxmlformats.org/drawingml/2006/diagram" xmlns:o="urn:schemas-microsoft-com:office:office" xmlns:v="urn:schemas-microsoft-com:vml" xmlns:pvml="urn:schemas-microsoft-com:office:powerpoint" xmlns:com="http://schemas.openxmlformats.org/drawingml/2006/compatibility" xmlns:p14="http://schemas.microsoft.com/office/powerpoint/2010/main" xmlns:p15="http://schemas.microsoft.com/office/powerpoint/2012/main" xmlns:go="http://customooxmlschemas.google.com/" r:id="rId7" roundtripDataSignature="AMtx7mhLFngkMTy56aMr5fm2iMEFdctUjw=="/>
+      <go:slidesCustomData xmlns:go="http://customooxmlschemas.google.com/" xmlns:p15="http://schemas.microsoft.com/office/powerpoint/2012/main" xmlns:p14="http://schemas.microsoft.com/office/powerpoint/2010/main" xmlns:com="http://schemas.openxmlformats.org/drawingml/2006/compatibility" xmlns:pvml="urn:schemas-microsoft-com:office:powerpoint" xmlns:v="urn:schemas-microsoft-com:vml" xmlns:o="urn:schemas-microsoft-com:office:office" xmlns:dgm="http://schemas.openxmlformats.org/drawingml/2006/diagram" xmlns:c="http://schemas.openxmlformats.org/drawingml/2006/chart" xmlns:mv="urn:schemas-microsoft-com:mac:vml" xmlns:mc="http://schemas.openxmlformats.org/markup-compatibility/2006" xmlns="" r:id="rId7" roundtripDataSignature="AMtx7mhLFngkMTy56aMr5fm2iMEFdctUjw=="/>
     </p:ext>
   </p:extLst>
 </p:presentation>
@@ -16917,7 +16917,7 @@
         </p:nvSpPr>
         <p:spPr>
           <a:xfrm>
-            <a:off x="21251300" y="11111300"/>
+            <a:off x="21251300" y="8969272"/>
             <a:ext cx="10652400" cy="513900"/>
           </a:xfrm>
           <a:prstGeom prst="rect">
@@ -16952,15 +16952,15 @@
               <a:buNone/>
             </a:pPr>
             <a:r>
-              <a:rPr lang="en-US" sz="2600">
+              <a:rPr lang="en-US" sz="2600" dirty="0">
                 <a:latin typeface="Calibri"/>
                 <a:ea typeface="Calibri"/>
                 <a:cs typeface="Calibri"/>
                 <a:sym typeface="Calibri"/>
               </a:rPr>
-              <a:t>What can we get from regression?</a:t>
+              <a:t>What can we get from regressions?</a:t>
             </a:r>
-            <a:endParaRPr sz="2600" b="0" i="0" u="none" strike="noStrike" cap="none">
+            <a:endParaRPr sz="2600" b="0" i="0" u="none" strike="noStrike" cap="none" dirty="0">
               <a:solidFill>
                 <a:srgbClr val="000000"/>
               </a:solidFill>
@@ -20080,8 +20080,8 @@
         </p:nvSpPr>
         <p:spPr>
           <a:xfrm>
-            <a:off x="21251288" y="4616800"/>
-            <a:ext cx="3239237" cy="1015500"/>
+            <a:off x="21251288" y="4553298"/>
+            <a:ext cx="3239237" cy="1318166"/>
           </a:xfrm>
           <a:prstGeom prst="rect">
             <a:avLst/>
@@ -20097,7 +20097,7 @@
           </a:bodyPr>
           <a:lstStyle/>
           <a:p>
-            <a:pPr marL="0" lvl="0" indent="0" algn="ctr" rtl="0">
+            <a:pPr marL="0" lvl="0" indent="0" rtl="0">
               <a:spcBef>
                 <a:spcPts val="0"/>
               </a:spcBef>
@@ -20113,59 +20113,7 @@
                 <a:cs typeface="Calibri"/>
                 <a:sym typeface="Calibri"/>
               </a:rPr>
-              <a:t>Linear regression for each social media</a:t>
-            </a:r>
-            <a:endParaRPr sz="2600" dirty="0">
-              <a:latin typeface="Calibri"/>
-              <a:ea typeface="Calibri"/>
-              <a:cs typeface="Calibri"/>
-              <a:sym typeface="Calibri"/>
-            </a:endParaRPr>
-          </a:p>
-        </p:txBody>
-      </p:sp>
-      <p:sp>
-        <p:nvSpPr>
-          <p:cNvPr id="171" name="Google Shape;171;p1"/>
-          <p:cNvSpPr txBox="1"/>
-          <p:nvPr/>
-        </p:nvSpPr>
-        <p:spPr>
-          <a:xfrm>
-            <a:off x="21251288" y="6368725"/>
-            <a:ext cx="3239237" cy="1015500"/>
-          </a:xfrm>
-          <a:prstGeom prst="rect">
-            <a:avLst/>
-          </a:prstGeom>
-          <a:noFill/>
-          <a:ln>
-            <a:noFill/>
-          </a:ln>
-        </p:spPr>
-        <p:txBody>
-          <a:bodyPr spcFirstLastPara="1" wrap="square" lIns="91425" tIns="91425" rIns="91425" bIns="91425" anchor="t" anchorCtr="0">
-            <a:noAutofit/>
-          </a:bodyPr>
-          <a:lstStyle/>
-          <a:p>
-            <a:pPr marL="0" lvl="0" indent="0" algn="ctr" rtl="0">
-              <a:spcBef>
-                <a:spcPts val="0"/>
-              </a:spcBef>
-              <a:spcAft>
-                <a:spcPts val="0"/>
-              </a:spcAft>
-              <a:buNone/>
-            </a:pPr>
-            <a:r>
-              <a:rPr lang="en-US" sz="2600" dirty="0">
-                <a:latin typeface="Calibri"/>
-                <a:ea typeface="Calibri"/>
-                <a:cs typeface="Calibri"/>
-                <a:sym typeface="Calibri"/>
-              </a:rPr>
-              <a:t>Feature selection based on regression</a:t>
+              <a:t>Linear regression and feature selection for each social media</a:t>
             </a:r>
             <a:endParaRPr sz="2600" dirty="0">
               <a:latin typeface="Calibri"/>
@@ -20184,7 +20132,7 @@
         </p:nvSpPr>
         <p:spPr>
           <a:xfrm>
-            <a:off x="21251288" y="8011525"/>
+            <a:off x="21251288" y="6236469"/>
             <a:ext cx="3239237" cy="1015500"/>
           </a:xfrm>
           <a:prstGeom prst="rect">
@@ -20201,7 +20149,7 @@
           </a:bodyPr>
           <a:lstStyle/>
           <a:p>
-            <a:pPr marL="0" lvl="0" indent="0" algn="ctr" rtl="0">
+            <a:pPr marL="0" lvl="0" indent="0" rtl="0">
               <a:spcBef>
                 <a:spcPts val="0"/>
               </a:spcBef>
@@ -20211,7 +20159,7 @@
               <a:buNone/>
             </a:pPr>
             <a:r>
-              <a:rPr lang="en-US" sz="2600">
+              <a:rPr lang="en-US" sz="2600" dirty="0">
                 <a:latin typeface="Calibri"/>
                 <a:ea typeface="Calibri"/>
                 <a:cs typeface="Calibri"/>
@@ -20219,7 +20167,7 @@
               </a:rPr>
               <a:t>Model selection with cross validation</a:t>
             </a:r>
-            <a:endParaRPr sz="2600">
+            <a:endParaRPr sz="2600" dirty="0">
               <a:latin typeface="Calibri"/>
               <a:ea typeface="Calibri"/>
               <a:cs typeface="Calibri"/>
@@ -20236,7 +20184,7 @@
         </p:nvSpPr>
         <p:spPr>
           <a:xfrm>
-            <a:off x="21251288" y="9786088"/>
+            <a:off x="21251288" y="7609666"/>
             <a:ext cx="3239237" cy="1015500"/>
           </a:xfrm>
           <a:prstGeom prst="rect">
@@ -20253,7 +20201,7 @@
           </a:bodyPr>
           <a:lstStyle/>
           <a:p>
-            <a:pPr marL="0" lvl="0" indent="0" algn="ctr" rtl="0">
+            <a:pPr marL="0" lvl="0" indent="0" rtl="0">
               <a:spcBef>
                 <a:spcPts val="0"/>
               </a:spcBef>
@@ -20269,7 +20217,7 @@
                 <a:cs typeface="Calibri"/>
                 <a:sym typeface="Calibri"/>
               </a:rPr>
-              <a:t>Best model to predict social engagement</a:t>
+              <a:t>Best model to predict social engagement scores</a:t>
             </a:r>
             <a:endParaRPr sz="2600" dirty="0">
               <a:latin typeface="Calibri"/>
@@ -20295,8 +20243,8 @@
         </p:blipFill>
         <p:spPr>
           <a:xfrm>
-            <a:off x="25008356" y="4669078"/>
-            <a:ext cx="900848" cy="910958"/>
+            <a:off x="26857848" y="4073746"/>
+            <a:ext cx="595096" cy="601775"/>
           </a:xfrm>
           <a:prstGeom prst="rect">
             <a:avLst/>
@@ -20315,8 +20263,8 @@
         </p:nvSpPr>
         <p:spPr>
           <a:xfrm>
-            <a:off x="26001125" y="4616800"/>
-            <a:ext cx="5902506" cy="1015500"/>
+            <a:off x="26001125" y="4616799"/>
+            <a:ext cx="5902506" cy="1254665"/>
           </a:xfrm>
           <a:prstGeom prst="rect">
             <a:avLst/>
@@ -20332,7 +20280,7 @@
           </a:bodyPr>
           <a:lstStyle/>
           <a:p>
-            <a:pPr marL="0" lvl="0" indent="0" algn="ctr" rtl="0">
+            <a:pPr marL="0" lvl="0" indent="0" rtl="0">
               <a:spcBef>
                 <a:spcPts val="0"/>
               </a:spcBef>
@@ -20366,59 +20314,7 @@
                 <a:cs typeface="Calibri"/>
                 <a:sym typeface="Calibri"/>
               </a:rPr>
-              <a:t> score</a:t>
-            </a:r>
-            <a:endParaRPr sz="2600" dirty="0">
-              <a:latin typeface="Calibri"/>
-              <a:ea typeface="Calibri"/>
-              <a:cs typeface="Calibri"/>
-              <a:sym typeface="Calibri"/>
-            </a:endParaRPr>
-          </a:p>
-        </p:txBody>
-      </p:sp>
-      <p:sp>
-        <p:nvSpPr>
-          <p:cNvPr id="179" name="Google Shape;179;p1"/>
-          <p:cNvSpPr txBox="1"/>
-          <p:nvPr/>
-        </p:nvSpPr>
-        <p:spPr>
-          <a:xfrm>
-            <a:off x="26001124" y="6368725"/>
-            <a:ext cx="5902507" cy="1015500"/>
-          </a:xfrm>
-          <a:prstGeom prst="rect">
-            <a:avLst/>
-          </a:prstGeom>
-          <a:noFill/>
-          <a:ln>
-            <a:noFill/>
-          </a:ln>
-        </p:spPr>
-        <p:txBody>
-          <a:bodyPr spcFirstLastPara="1" wrap="square" lIns="91425" tIns="91425" rIns="91425" bIns="91425" anchor="t" anchorCtr="0">
-            <a:noAutofit/>
-          </a:bodyPr>
-          <a:lstStyle/>
-          <a:p>
-            <a:pPr marL="0" lvl="0" indent="0" algn="ctr" rtl="0">
-              <a:spcBef>
-                <a:spcPts val="0"/>
-              </a:spcBef>
-              <a:spcAft>
-                <a:spcPts val="0"/>
-              </a:spcAft>
-              <a:buNone/>
-            </a:pPr>
-            <a:r>
-              <a:rPr lang="en-US" sz="2600" dirty="0">
-                <a:latin typeface="Calibri"/>
-                <a:ea typeface="Calibri"/>
-                <a:cs typeface="Calibri"/>
-                <a:sym typeface="Calibri"/>
-              </a:rPr>
-              <a:t>Dropping one dummy variable: created_12pm-6pm</a:t>
+              <a:t> score on the test set</a:t>
             </a:r>
             <a:endParaRPr sz="2600" dirty="0">
               <a:latin typeface="Calibri"/>
@@ -20437,7 +20333,7 @@
         </p:nvSpPr>
         <p:spPr>
           <a:xfrm>
-            <a:off x="26001125" y="8011525"/>
+            <a:off x="26001120" y="6236469"/>
             <a:ext cx="5902508" cy="1015500"/>
           </a:xfrm>
           <a:prstGeom prst="rect">
@@ -20454,7 +20350,7 @@
           </a:bodyPr>
           <a:lstStyle/>
           <a:p>
-            <a:pPr lvl="0" algn="ctr"/>
+            <a:pPr lvl="0"/>
             <a:r>
               <a:rPr lang="en-US" sz="2600" dirty="0">
                 <a:latin typeface="Calibri"/>
@@ -20508,7 +20404,7 @@
         </p:nvSpPr>
         <p:spPr>
           <a:xfrm>
-            <a:off x="26001125" y="9786100"/>
+            <a:off x="26001125" y="7606866"/>
             <a:ext cx="5902508" cy="1015500"/>
           </a:xfrm>
           <a:prstGeom prst="rect">
@@ -20525,7 +20421,7 @@
           </a:bodyPr>
           <a:lstStyle/>
           <a:p>
-            <a:pPr marL="0" lvl="0" indent="0" algn="ctr" rtl="0">
+            <a:pPr marL="0" lvl="0" indent="0" rtl="0">
               <a:spcBef>
                 <a:spcPts val="0"/>
               </a:spcBef>
@@ -20577,7 +20473,7 @@
                 <a:cs typeface="Calibri"/>
                 <a:sym typeface="Calibri"/>
               </a:rPr>
-              <a:t> Score</a:t>
+              <a:t> Score on the test set</a:t>
             </a:r>
             <a:endParaRPr sz="2600" dirty="0">
               <a:latin typeface="Calibri"/>
@@ -20596,8 +20492,8 @@
         </p:nvSpPr>
         <p:spPr>
           <a:xfrm>
-            <a:off x="21251300" y="4495825"/>
-            <a:ext cx="3232800" cy="6575100"/>
+            <a:off x="21251300" y="4420135"/>
+            <a:ext cx="3232800" cy="4598289"/>
           </a:xfrm>
           <a:prstGeom prst="roundRect">
             <a:avLst>
@@ -20727,7 +20623,7 @@
                 <a:cs typeface="Calibri"/>
                 <a:sym typeface="Calibri"/>
               </a:rPr>
-              <a:t>Example</a:t>
+              <a:t>Example: Instagram</a:t>
             </a:r>
             <a:endParaRPr sz="2600" b="1" dirty="0">
               <a:latin typeface="Calibri"/>
@@ -20978,10 +20874,16 @@
         <p:nvGraphicFramePr>
           <p:cNvPr id="188" name="Google Shape;188;p1"/>
           <p:cNvGraphicFramePr/>
-          <p:nvPr/>
+          <p:nvPr>
+            <p:extLst>
+              <p:ext uri="{D42A27DB-BD31-4B8C-83A1-F6EECF244321}">
+                <p14:modId xmlns:p14="http://schemas.microsoft.com/office/powerpoint/2010/main" val="3147777372"/>
+              </p:ext>
+            </p:extLst>
+          </p:nvPr>
         </p:nvGraphicFramePr>
         <p:xfrm>
-          <a:off x="21251288" y="11951213"/>
+          <a:off x="21251288" y="9809185"/>
           <a:ext cx="6444800" cy="792420"/>
         </p:xfrm>
         <a:graphic>
@@ -21304,7 +21206,7 @@
         </p:nvSpPr>
         <p:spPr>
           <a:xfrm>
-            <a:off x="21251300" y="11490575"/>
+            <a:off x="21251300" y="9348547"/>
             <a:ext cx="3743100" cy="348000"/>
           </a:xfrm>
           <a:prstGeom prst="rect">
@@ -21331,15 +21233,24 @@
               <a:buNone/>
             </a:pPr>
             <a:r>
-              <a:rPr lang="en-US" sz="2600" b="1">
+              <a:rPr lang="en-US" sz="2600" b="1" dirty="0">
                 <a:latin typeface="Calibri"/>
                 <a:ea typeface="Calibri"/>
                 <a:cs typeface="Calibri"/>
                 <a:sym typeface="Calibri"/>
               </a:rPr>
-              <a:t>Feature Importances</a:t>
+              <a:t>Feature </a:t>
             </a:r>
-            <a:endParaRPr sz="2600" b="1">
+            <a:r>
+              <a:rPr lang="en-US" sz="2600" b="1" dirty="0" err="1">
+                <a:latin typeface="Calibri"/>
+                <a:ea typeface="Calibri"/>
+                <a:cs typeface="Calibri"/>
+                <a:sym typeface="Calibri"/>
+              </a:rPr>
+              <a:t>Importances</a:t>
+            </a:r>
+            <a:endParaRPr sz="2600" b="1" dirty="0">
               <a:latin typeface="Calibri"/>
               <a:ea typeface="Calibri"/>
               <a:cs typeface="Calibri"/>
@@ -21352,10 +21263,16 @@
         <p:nvGraphicFramePr>
           <p:cNvPr id="190" name="Google Shape;190;p1"/>
           <p:cNvGraphicFramePr/>
-          <p:nvPr/>
+          <p:nvPr>
+            <p:extLst>
+              <p:ext uri="{D42A27DB-BD31-4B8C-83A1-F6EECF244321}">
+                <p14:modId xmlns:p14="http://schemas.microsoft.com/office/powerpoint/2010/main" val="3375987831"/>
+              </p:ext>
+            </p:extLst>
+          </p:nvPr>
         </p:nvGraphicFramePr>
         <p:xfrm>
-          <a:off x="28642688" y="11951213"/>
+          <a:off x="28642688" y="9809185"/>
           <a:ext cx="2767500" cy="792420"/>
         </p:xfrm>
         <a:graphic>
@@ -21564,7 +21481,7 @@
         </p:nvSpPr>
         <p:spPr>
           <a:xfrm>
-            <a:off x="28642700" y="11490575"/>
+            <a:off x="28642700" y="9348547"/>
             <a:ext cx="3743100" cy="348000"/>
           </a:xfrm>
           <a:prstGeom prst="rect">
@@ -21930,57 +21847,14 @@
           <p:cNvCxnSpPr>
             <a:cxnSpLocks/>
             <a:stCxn id="169" idx="2"/>
-            <a:endCxn id="171" idx="0"/>
-          </p:cNvCxnSpPr>
-          <p:nvPr/>
-        </p:nvCxnSpPr>
-        <p:spPr>
-          <a:xfrm>
-            <a:off x="22870907" y="5632300"/>
-            <a:ext cx="0" cy="736425"/>
-          </a:xfrm>
-          <a:prstGeom prst="straightConnector1">
-            <a:avLst/>
-          </a:prstGeom>
-          <a:ln w="38100">
-            <a:tailEnd type="triangle"/>
-          </a:ln>
-        </p:spPr>
-        <p:style>
-          <a:lnRef idx="1">
-            <a:schemeClr val="accent1"/>
-          </a:lnRef>
-          <a:fillRef idx="0">
-            <a:schemeClr val="accent1"/>
-          </a:fillRef>
-          <a:effectRef idx="0">
-            <a:schemeClr val="accent1"/>
-          </a:effectRef>
-          <a:fontRef idx="minor">
-            <a:schemeClr val="tx1"/>
-          </a:fontRef>
-        </p:style>
-      </p:cxnSp>
-      <p:cxnSp>
-        <p:nvCxnSpPr>
-          <p:cNvPr id="201" name="Straight Arrow Connector 200">
-            <a:extLst>
-              <a:ext uri="{FF2B5EF4-FFF2-40B4-BE49-F238E27FC236}">
-                <a16:creationId xmlns:a16="http://schemas.microsoft.com/office/drawing/2014/main" id="{32031CCD-F65B-42D1-83C4-C75B8005654A}"/>
-              </a:ext>
-            </a:extLst>
-          </p:cNvPr>
-          <p:cNvCxnSpPr>
-            <a:cxnSpLocks/>
-            <a:stCxn id="171" idx="2"/>
             <a:endCxn id="172" idx="0"/>
           </p:cNvCxnSpPr>
           <p:nvPr/>
         </p:nvCxnSpPr>
         <p:spPr>
           <a:xfrm>
-            <a:off x="22870907" y="7384225"/>
-            <a:ext cx="0" cy="627300"/>
+            <a:off x="22870907" y="5871464"/>
+            <a:ext cx="0" cy="365005"/>
           </a:xfrm>
           <a:prstGeom prst="straightConnector1">
             <a:avLst/>
@@ -22022,8 +21896,8 @@
         </p:nvCxnSpPr>
         <p:spPr>
           <a:xfrm>
-            <a:off x="22870907" y="9027025"/>
-            <a:ext cx="0" cy="759063"/>
+            <a:off x="22870907" y="7251969"/>
+            <a:ext cx="0" cy="357697"/>
           </a:xfrm>
           <a:prstGeom prst="straightConnector1">
             <a:avLst/>
@@ -22059,57 +21933,14 @@
           <p:cNvCxnSpPr>
             <a:cxnSpLocks/>
             <a:stCxn id="177" idx="2"/>
-            <a:endCxn id="179" idx="0"/>
-          </p:cNvCxnSpPr>
-          <p:nvPr/>
-        </p:nvCxnSpPr>
-        <p:spPr>
-          <a:xfrm>
-            <a:off x="28952378" y="5632300"/>
-            <a:ext cx="0" cy="736425"/>
-          </a:xfrm>
-          <a:prstGeom prst="straightConnector1">
-            <a:avLst/>
-          </a:prstGeom>
-          <a:ln w="38100">
-            <a:tailEnd type="triangle"/>
-          </a:ln>
-        </p:spPr>
-        <p:style>
-          <a:lnRef idx="1">
-            <a:schemeClr val="accent1"/>
-          </a:lnRef>
-          <a:fillRef idx="0">
-            <a:schemeClr val="accent1"/>
-          </a:fillRef>
-          <a:effectRef idx="0">
-            <a:schemeClr val="accent1"/>
-          </a:effectRef>
-          <a:fontRef idx="minor">
-            <a:schemeClr val="tx1"/>
-          </a:fontRef>
-        </p:style>
-      </p:cxnSp>
-      <p:cxnSp>
-        <p:nvCxnSpPr>
-          <p:cNvPr id="204" name="Straight Arrow Connector 203">
-            <a:extLst>
-              <a:ext uri="{FF2B5EF4-FFF2-40B4-BE49-F238E27FC236}">
-                <a16:creationId xmlns:a16="http://schemas.microsoft.com/office/drawing/2014/main" id="{C6B4527B-32E8-4DCF-81AE-C362E7602CCF}"/>
-              </a:ext>
-            </a:extLst>
-          </p:cNvPr>
-          <p:cNvCxnSpPr>
-            <a:cxnSpLocks/>
-            <a:stCxn id="179" idx="2"/>
             <a:endCxn id="180" idx="0"/>
           </p:cNvCxnSpPr>
           <p:nvPr/>
         </p:nvCxnSpPr>
         <p:spPr>
-          <a:xfrm>
-            <a:off x="28952378" y="7384225"/>
-            <a:ext cx="1" cy="627300"/>
+          <a:xfrm flipH="1">
+            <a:off x="28952374" y="5871464"/>
+            <a:ext cx="4" cy="365005"/>
           </a:xfrm>
           <a:prstGeom prst="straightConnector1">
             <a:avLst/>
@@ -22151,8 +21982,8 @@
         </p:nvCxnSpPr>
         <p:spPr>
           <a:xfrm>
-            <a:off x="28952379" y="9027025"/>
-            <a:ext cx="0" cy="759075"/>
+            <a:off x="28952374" y="7251969"/>
+            <a:ext cx="5" cy="354897"/>
           </a:xfrm>
           <a:prstGeom prst="straightConnector1">
             <a:avLst/>
@@ -22290,6 +22121,229 @@
           </a:prstGeom>
         </p:spPr>
       </p:pic>
+      <p:sp>
+        <p:nvSpPr>
+          <p:cNvPr id="175" name="Google Shape;113;p1">
+            <a:extLst>
+              <a:ext uri="{FF2B5EF4-FFF2-40B4-BE49-F238E27FC236}">
+                <a16:creationId xmlns:a16="http://schemas.microsoft.com/office/drawing/2014/main" id="{719A8C06-B37F-4A72-8165-56FB42E6E95E}"/>
+              </a:ext>
+            </a:extLst>
+          </p:cNvPr>
+          <p:cNvSpPr txBox="1"/>
+          <p:nvPr/>
+        </p:nvSpPr>
+        <p:spPr>
+          <a:xfrm>
+            <a:off x="21257728" y="10647002"/>
+            <a:ext cx="10652400" cy="1835859"/>
+          </a:xfrm>
+          <a:prstGeom prst="rect">
+            <a:avLst/>
+          </a:prstGeom>
+          <a:noFill/>
+          <a:ln>
+            <a:noFill/>
+          </a:ln>
+        </p:spPr>
+        <p:txBody>
+          <a:bodyPr spcFirstLastPara="1" wrap="square" lIns="91425" tIns="91425" rIns="91425" bIns="91425" anchor="t" anchorCtr="0">
+            <a:noAutofit/>
+          </a:bodyPr>
+          <a:lstStyle/>
+          <a:p>
+            <a:pPr marL="0" marR="0" lvl="0" indent="0" algn="l" rtl="0">
+              <a:lnSpc>
+                <a:spcPct val="100000"/>
+              </a:lnSpc>
+              <a:spcBef>
+                <a:spcPts val="0"/>
+              </a:spcBef>
+              <a:spcAft>
+                <a:spcPts val="0"/>
+              </a:spcAft>
+              <a:buClr>
+                <a:srgbClr val="000000"/>
+              </a:buClr>
+              <a:buSzPts val="1800"/>
+              <a:buFont typeface="Arial"/>
+              <a:buNone/>
+            </a:pPr>
+            <a:r>
+              <a:rPr lang="en-US" sz="2600" dirty="0">
+                <a:latin typeface="Calibri"/>
+                <a:ea typeface="Calibri"/>
+                <a:cs typeface="Calibri"/>
+                <a:sym typeface="Calibri"/>
+              </a:rPr>
+              <a:t>A lot of takeaways from these models:</a:t>
+            </a:r>
+          </a:p>
+          <a:p>
+            <a:pPr marL="514350" marR="0" lvl="0" indent="-514350" algn="l" rtl="0">
+              <a:lnSpc>
+                <a:spcPct val="100000"/>
+              </a:lnSpc>
+              <a:spcBef>
+                <a:spcPts val="0"/>
+              </a:spcBef>
+              <a:spcAft>
+                <a:spcPts val="0"/>
+              </a:spcAft>
+              <a:buClr>
+                <a:srgbClr val="000000"/>
+              </a:buClr>
+              <a:buSzPts val="1800"/>
+              <a:buFont typeface="Arial"/>
+              <a:buAutoNum type="arabicPeriod"/>
+            </a:pPr>
+            <a:r>
+              <a:rPr lang="en-US" sz="2600" dirty="0">
+                <a:latin typeface="Calibri"/>
+                <a:ea typeface="Calibri"/>
+                <a:cs typeface="Calibri"/>
+                <a:sym typeface="Calibri"/>
+              </a:rPr>
+              <a:t>The less frequently you post, the higher engagement you get</a:t>
+            </a:r>
+          </a:p>
+          <a:p>
+            <a:pPr marL="514350" marR="0" lvl="0" indent="-514350" algn="l" rtl="0">
+              <a:lnSpc>
+                <a:spcPct val="100000"/>
+              </a:lnSpc>
+              <a:spcBef>
+                <a:spcPts val="0"/>
+              </a:spcBef>
+              <a:spcAft>
+                <a:spcPts val="0"/>
+              </a:spcAft>
+              <a:buClr>
+                <a:srgbClr val="000000"/>
+              </a:buClr>
+              <a:buSzPts val="1800"/>
+              <a:buFont typeface="Arial"/>
+              <a:buAutoNum type="arabicPeriod"/>
+            </a:pPr>
+            <a:r>
+              <a:rPr lang="en-US" sz="2600" dirty="0">
+                <a:latin typeface="Calibri"/>
+                <a:ea typeface="Calibri"/>
+                <a:cs typeface="Calibri"/>
+                <a:sym typeface="Calibri"/>
+              </a:rPr>
+              <a:t>You will get higher engagement by posting short, instead of long</a:t>
+            </a:r>
+          </a:p>
+          <a:p>
+            <a:pPr marL="514350" marR="0" lvl="0" indent="-514350" algn="l" rtl="0">
+              <a:lnSpc>
+                <a:spcPct val="100000"/>
+              </a:lnSpc>
+              <a:spcBef>
+                <a:spcPts val="0"/>
+              </a:spcBef>
+              <a:spcAft>
+                <a:spcPts val="0"/>
+              </a:spcAft>
+              <a:buClr>
+                <a:srgbClr val="000000"/>
+              </a:buClr>
+              <a:buSzPts val="1800"/>
+              <a:buFont typeface="Arial"/>
+              <a:buAutoNum type="arabicPeriod"/>
+            </a:pPr>
+            <a:r>
+              <a:rPr lang="en-US" sz="2600" dirty="0">
+                <a:latin typeface="Calibri"/>
+                <a:ea typeface="Calibri"/>
+                <a:cs typeface="Calibri"/>
+                <a:sym typeface="Calibri"/>
+              </a:rPr>
+              <a:t>Being a rock singer, you will get higher engagement on Instagram</a:t>
+            </a:r>
+          </a:p>
+          <a:p>
+            <a:pPr marR="0" lvl="0" algn="l" rtl="0">
+              <a:lnSpc>
+                <a:spcPct val="100000"/>
+              </a:lnSpc>
+              <a:spcBef>
+                <a:spcPts val="0"/>
+              </a:spcBef>
+              <a:spcAft>
+                <a:spcPts val="0"/>
+              </a:spcAft>
+              <a:buClr>
+                <a:srgbClr val="000000"/>
+              </a:buClr>
+              <a:buSzPts val="1800"/>
+            </a:pPr>
+            <a:r>
+              <a:rPr lang="en-US" sz="2600" dirty="0">
+                <a:latin typeface="Calibri"/>
+                <a:ea typeface="Calibri"/>
+                <a:cs typeface="Calibri"/>
+                <a:sym typeface="Calibri"/>
+              </a:rPr>
+              <a:t>…</a:t>
+            </a:r>
+          </a:p>
+          <a:p>
+            <a:pPr marL="514350" marR="0" lvl="0" indent="-514350" algn="l" rtl="0">
+              <a:lnSpc>
+                <a:spcPct val="100000"/>
+              </a:lnSpc>
+              <a:spcBef>
+                <a:spcPts val="0"/>
+              </a:spcBef>
+              <a:spcAft>
+                <a:spcPts val="0"/>
+              </a:spcAft>
+              <a:buClr>
+                <a:srgbClr val="000000"/>
+              </a:buClr>
+              <a:buSzPts val="1800"/>
+              <a:buFont typeface="Arial"/>
+              <a:buAutoNum type="arabicPeriod"/>
+            </a:pPr>
+            <a:endParaRPr lang="en-US" sz="2600" dirty="0">
+              <a:latin typeface="Calibri"/>
+              <a:ea typeface="Calibri"/>
+              <a:cs typeface="Calibri"/>
+              <a:sym typeface="Calibri"/>
+            </a:endParaRPr>
+          </a:p>
+          <a:p>
+            <a:pPr marL="0" marR="0" lvl="0" indent="0" algn="l" rtl="0">
+              <a:lnSpc>
+                <a:spcPct val="100000"/>
+              </a:lnSpc>
+              <a:spcBef>
+                <a:spcPts val="0"/>
+              </a:spcBef>
+              <a:spcAft>
+                <a:spcPts val="0"/>
+              </a:spcAft>
+              <a:buClr>
+                <a:srgbClr val="000000"/>
+              </a:buClr>
+              <a:buSzPts val="1800"/>
+              <a:buFont typeface="Arial"/>
+              <a:buNone/>
+            </a:pPr>
+            <a:endParaRPr sz="2600" b="0" i="0" u="none" strike="noStrike" cap="none" dirty="0">
+              <a:solidFill>
+                <a:srgbClr val="000000"/>
+              </a:solidFill>
+              <a:latin typeface="Calibri"/>
+              <a:ea typeface="Calibri"/>
+              <a:cs typeface="Calibri"/>
+              <a:sym typeface="Calibri"/>
+            </a:endParaRPr>
+          </a:p>
+        </p:txBody>
+      </p:sp>
     </p:spTree>
   </p:cSld>
   <p:clrMapOvr>

--- a/Sony_Poster.pptx
+++ b/Sony_Poster.pptx
@@ -246,7 +246,7 @@
       <p15:sldGuideLst xmlns:p15="http://schemas.microsoft.com/office/powerpoint/2012/main"/>
     </p:ext>
     <p:ext uri="http://customooxmlschemas.google.com/">
-      <go:slidesCustomData xmlns:go="http://customooxmlschemas.google.com/" xmlns:p15="http://schemas.microsoft.com/office/powerpoint/2012/main" xmlns:p14="http://schemas.microsoft.com/office/powerpoint/2010/main" xmlns:com="http://schemas.openxmlformats.org/drawingml/2006/compatibility" xmlns:pvml="urn:schemas-microsoft-com:office:powerpoint" xmlns:v="urn:schemas-microsoft-com:vml" xmlns:o="urn:schemas-microsoft-com:office:office" xmlns:dgm="http://schemas.openxmlformats.org/drawingml/2006/diagram" xmlns:c="http://schemas.openxmlformats.org/drawingml/2006/chart" xmlns:mv="urn:schemas-microsoft-com:mac:vml" xmlns:mc="http://schemas.openxmlformats.org/markup-compatibility/2006" xmlns="" r:id="rId7" roundtripDataSignature="AMtx7mhLFngkMTy56aMr5fm2iMEFdctUjw=="/>
+      <go:slidesCustomData xmlns="" xmlns:mc="http://schemas.openxmlformats.org/markup-compatibility/2006" xmlns:mv="urn:schemas-microsoft-com:mac:vml" xmlns:c="http://schemas.openxmlformats.org/drawingml/2006/chart" xmlns:dgm="http://schemas.openxmlformats.org/drawingml/2006/diagram" xmlns:o="urn:schemas-microsoft-com:office:office" xmlns:v="urn:schemas-microsoft-com:vml" xmlns:pvml="urn:schemas-microsoft-com:office:powerpoint" xmlns:com="http://schemas.openxmlformats.org/drawingml/2006/compatibility" xmlns:p14="http://schemas.microsoft.com/office/powerpoint/2010/main" xmlns:p15="http://schemas.microsoft.com/office/powerpoint/2012/main" xmlns:go="http://customooxmlschemas.google.com/" r:id="rId7" roundtripDataSignature="AMtx7mhLFngkMTy56aMr5fm2iMEFdctUjw=="/>
     </p:ext>
   </p:extLst>
 </p:presentation>
@@ -21527,7 +21527,7 @@
       </p:sp>
       <p:pic>
         <p:nvPicPr>
-          <p:cNvPr id="193" name="Google Shape;193;p1"/>
+          <p:cNvPr id="194" name="Google Shape;194;p1"/>
           <p:cNvPicPr preferRelativeResize="0"/>
           <p:nvPr/>
         </p:nvPicPr>
@@ -21541,35 +21541,7 @@
         </p:blipFill>
         <p:spPr>
           <a:xfrm>
-            <a:off x="21949975" y="13450250"/>
-            <a:ext cx="5343474" cy="2518850"/>
-          </a:xfrm>
-          <a:prstGeom prst="rect">
-            <a:avLst/>
-          </a:prstGeom>
-          <a:noFill/>
-          <a:ln>
-            <a:noFill/>
-          </a:ln>
-        </p:spPr>
-      </p:pic>
-      <p:pic>
-        <p:nvPicPr>
-          <p:cNvPr id="194" name="Google Shape;194;p1"/>
-          <p:cNvPicPr preferRelativeResize="0"/>
-          <p:nvPr/>
-        </p:nvPicPr>
-        <p:blipFill>
-          <a:blip r:embed="rId13">
-            <a:alphaModFix/>
-          </a:blip>
-          <a:stretch>
-            <a:fillRect/>
-          </a:stretch>
-        </p:blipFill>
-        <p:spPr>
-          <a:xfrm>
-            <a:off x="21099975" y="12923950"/>
+            <a:off x="21177525" y="12923950"/>
             <a:ext cx="1785001" cy="1303026"/>
           </a:xfrm>
           <a:prstGeom prst="rect">
@@ -21588,7 +21560,7 @@
           <p:nvPr/>
         </p:nvPicPr>
         <p:blipFill>
-          <a:blip r:embed="rId14">
+          <a:blip r:embed="rId13">
             <a:alphaModFix/>
           </a:blip>
           <a:stretch>
@@ -21597,7 +21569,7 @@
         </p:blipFill>
         <p:spPr>
           <a:xfrm>
-            <a:off x="22339000" y="13637139"/>
+            <a:off x="21099975" y="14339724"/>
             <a:ext cx="1940100" cy="1243810"/>
           </a:xfrm>
           <a:prstGeom prst="rect">
@@ -21644,7 +21616,7 @@
               <a:buNone/>
             </a:pPr>
             <a:r>
-              <a:rPr lang="en-US" sz="1800" b="1">
+              <a:rPr lang="en-US" sz="1800" b="1" dirty="0">
                 <a:latin typeface="Calibri"/>
                 <a:ea typeface="Calibri"/>
                 <a:cs typeface="Calibri"/>
@@ -21652,7 +21624,7 @@
               </a:rPr>
               <a:t>Findings:</a:t>
             </a:r>
-            <a:endParaRPr b="1">
+            <a:endParaRPr b="1" dirty="0">
               <a:latin typeface="Calibri"/>
               <a:ea typeface="Calibri"/>
               <a:cs typeface="Calibri"/>
@@ -21671,10 +21643,10 @@
               <a:buChar char="●"/>
             </a:pPr>
             <a:r>
-              <a:rPr lang="en-US"/>
-              <a:t>Significant proportion of artist posts are positive. The trend is similar between Facebook posts and tweets.</a:t>
+              <a:rPr lang="en-US" sz="1600" dirty="0"/>
+              <a:t>Significant proportion of artist’s posts are positive. The trend is similar between Facebook posts and tweets.</a:t>
             </a:r>
-            <a:endParaRPr/>
+            <a:endParaRPr sz="1600" dirty="0"/>
           </a:p>
           <a:p>
             <a:pPr marL="457200" lvl="0" indent="-317500" algn="l" rtl="0">
@@ -21688,10 +21660,10 @@
               <a:buChar char="●"/>
             </a:pPr>
             <a:r>
-              <a:rPr lang="en-US"/>
-              <a:t>No significant correlation found between Social Engagement Scores and Tweets/Facebook Posts.</a:t>
+              <a:rPr lang="en-US" sz="1600" dirty="0"/>
+              <a:t>No significant correlation found between Social Engagement Scores and Sentiment of Tweets/Facebook Posts.</a:t>
             </a:r>
-            <a:endParaRPr/>
+            <a:endParaRPr sz="1600" dirty="0"/>
           </a:p>
         </p:txBody>
       </p:sp>
@@ -21702,7 +21674,7 @@
           <p:nvPr/>
         </p:nvPicPr>
         <p:blipFill>
-          <a:blip r:embed="rId15">
+          <a:blip r:embed="rId14">
             <a:alphaModFix/>
           </a:blip>
           <a:stretch>
@@ -21711,36 +21683,8 @@
         </p:blipFill>
         <p:spPr>
           <a:xfrm>
-            <a:off x="29206675" y="12861703"/>
-            <a:ext cx="2807101" cy="1981809"/>
-          </a:xfrm>
-          <a:prstGeom prst="rect">
-            <a:avLst/>
-          </a:prstGeom>
-          <a:noFill/>
-          <a:ln>
-            <a:noFill/>
-          </a:ln>
-        </p:spPr>
-      </p:pic>
-      <p:pic>
-        <p:nvPicPr>
-          <p:cNvPr id="198" name="Google Shape;198;p1"/>
-          <p:cNvPicPr preferRelativeResize="0"/>
-          <p:nvPr/>
-        </p:nvPicPr>
-        <p:blipFill>
-          <a:blip r:embed="rId16">
-            <a:alphaModFix/>
-          </a:blip>
-          <a:stretch>
-            <a:fillRect/>
-          </a:stretch>
-        </p:blipFill>
-        <p:spPr>
-          <a:xfrm>
-            <a:off x="27517725" y="14784872"/>
-            <a:ext cx="2767501" cy="1559315"/>
+            <a:off x="28704927" y="13419835"/>
+            <a:ext cx="3022111" cy="2264464"/>
           </a:xfrm>
           <a:prstGeom prst="rect">
             <a:avLst/>
@@ -22106,7 +22050,7 @@
           <p:nvPr/>
         </p:nvPicPr>
         <p:blipFill>
-          <a:blip r:embed="rId17"/>
+          <a:blip r:embed="rId15"/>
           <a:stretch>
             <a:fillRect/>
           </a:stretch>
@@ -22279,15 +22223,12 @@
               </a:buClr>
               <a:buSzPts val="1800"/>
             </a:pPr>
-            <a:r>
-              <a:rPr lang="en-US" sz="2600" dirty="0">
-                <a:latin typeface="Calibri"/>
-                <a:ea typeface="Calibri"/>
-                <a:cs typeface="Calibri"/>
-                <a:sym typeface="Calibri"/>
-              </a:rPr>
-              <a:t>…</a:t>
-            </a:r>
+            <a:endParaRPr lang="en-US" sz="2600" dirty="0">
+              <a:latin typeface="Calibri"/>
+              <a:ea typeface="Calibri"/>
+              <a:cs typeface="Calibri"/>
+              <a:sym typeface="Calibri"/>
+            </a:endParaRPr>
           </a:p>
           <a:p>
             <a:pPr marL="514350" marR="0" lvl="0" indent="-514350" algn="l" rtl="0">
@@ -22344,6 +22285,36 @@
           </a:p>
         </p:txBody>
       </p:sp>
+      <p:pic>
+        <p:nvPicPr>
+          <p:cNvPr id="2" name="Picture 1">
+            <a:extLst>
+              <a:ext uri="{FF2B5EF4-FFF2-40B4-BE49-F238E27FC236}">
+                <a16:creationId xmlns:a16="http://schemas.microsoft.com/office/drawing/2014/main" id="{73C13FAA-7E88-4DCB-B422-69BDBE66B93E}"/>
+              </a:ext>
+            </a:extLst>
+          </p:cNvPr>
+          <p:cNvPicPr>
+            <a:picLocks noChangeAspect="1"/>
+          </p:cNvPicPr>
+          <p:nvPr/>
+        </p:nvPicPr>
+        <p:blipFill>
+          <a:blip r:embed="rId16"/>
+          <a:stretch>
+            <a:fillRect/>
+          </a:stretch>
+        </p:blipFill>
+        <p:spPr>
+          <a:xfrm>
+            <a:off x="23311431" y="13433316"/>
+            <a:ext cx="5157175" cy="2582087"/>
+          </a:xfrm>
+          <a:prstGeom prst="rect">
+            <a:avLst/>
+          </a:prstGeom>
+        </p:spPr>
+      </p:pic>
     </p:spTree>
   </p:cSld>
   <p:clrMapOvr>

--- a/Sony_Poster.pptx
+++ b/Sony_Poster.pptx
@@ -246,7 +246,7 @@
       <p15:sldGuideLst xmlns:p15="http://schemas.microsoft.com/office/powerpoint/2012/main"/>
     </p:ext>
     <p:ext uri="http://customooxmlschemas.google.com/">
-      <go:slidesCustomData xmlns="" xmlns:mc="http://schemas.openxmlformats.org/markup-compatibility/2006" xmlns:mv="urn:schemas-microsoft-com:mac:vml" xmlns:c="http://schemas.openxmlformats.org/drawingml/2006/chart" xmlns:dgm="http://schemas.openxmlformats.org/drawingml/2006/diagram" xmlns:o="urn:schemas-microsoft-com:office:office" xmlns:v="urn:schemas-microsoft-com:vml" xmlns:pvml="urn:schemas-microsoft-com:office:powerpoint" xmlns:com="http://schemas.openxmlformats.org/drawingml/2006/compatibility" xmlns:p14="http://schemas.microsoft.com/office/powerpoint/2010/main" xmlns:p15="http://schemas.microsoft.com/office/powerpoint/2012/main" xmlns:go="http://customooxmlschemas.google.com/" r:id="rId7" roundtripDataSignature="AMtx7mhLFngkMTy56aMr5fm2iMEFdctUjw=="/>
+      <go:slidesCustomData xmlns:go="http://customooxmlschemas.google.com/" xmlns:p15="http://schemas.microsoft.com/office/powerpoint/2012/main" xmlns:p14="http://schemas.microsoft.com/office/powerpoint/2010/main" xmlns:com="http://schemas.openxmlformats.org/drawingml/2006/compatibility" xmlns:pvml="urn:schemas-microsoft-com:office:powerpoint" xmlns:v="urn:schemas-microsoft-com:vml" xmlns:o="urn:schemas-microsoft-com:office:office" xmlns:dgm="http://schemas.openxmlformats.org/drawingml/2006/diagram" xmlns:c="http://schemas.openxmlformats.org/drawingml/2006/chart" xmlns:mv="urn:schemas-microsoft-com:mac:vml" xmlns:mc="http://schemas.openxmlformats.org/markup-compatibility/2006" xmlns="" r:id="rId7" roundtripDataSignature="AMtx7mhLFngkMTy56aMr5fm2iMEFdctUjw=="/>
     </p:ext>
   </p:extLst>
 </p:presentation>
@@ -15627,7 +15627,7 @@
         </p:nvSpPr>
         <p:spPr>
           <a:xfrm>
-            <a:off x="12812513" y="8404619"/>
+            <a:off x="12355313" y="8404619"/>
             <a:ext cx="2807100" cy="1110300"/>
           </a:xfrm>
           <a:prstGeom prst="rect">
@@ -15685,7 +15685,7 @@
         </p:nvSpPr>
         <p:spPr>
           <a:xfrm>
-            <a:off x="8462374" y="4241825"/>
+            <a:off x="8005174" y="4241825"/>
             <a:ext cx="4839605" cy="699600"/>
           </a:xfrm>
           <a:prstGeom prst="rect">
@@ -16614,7 +16614,7 @@
         </p:nvSpPr>
         <p:spPr>
           <a:xfrm>
-            <a:off x="23631549" y="2942438"/>
+            <a:off x="23631549" y="2772318"/>
             <a:ext cx="6629700" cy="1015800"/>
           </a:xfrm>
           <a:prstGeom prst="rect">
@@ -16649,7 +16649,7 @@
               <a:buNone/>
             </a:pPr>
             <a:r>
-              <a:rPr lang="en-US" sz="5600" b="1" i="0" u="none" strike="noStrike" cap="none">
+              <a:rPr lang="en-US" sz="5600" b="1" i="0" u="none" strike="noStrike" cap="none" dirty="0">
                 <a:solidFill>
                   <a:schemeClr val="dk1"/>
                 </a:solidFill>
@@ -16660,7 +16660,7 @@
               </a:rPr>
               <a:t>Success Prediction</a:t>
             </a:r>
-            <a:endParaRPr sz="5600" b="0" i="0" u="none" strike="noStrike" cap="none">
+            <a:endParaRPr sz="5600" b="0" i="0" u="none" strike="noStrike" cap="none" dirty="0">
               <a:solidFill>
                 <a:srgbClr val="000000"/>
               </a:solidFill>
@@ -16812,7 +16812,7 @@
         </p:nvCxnSpPr>
         <p:spPr>
           <a:xfrm>
-            <a:off x="7810996" y="3265182"/>
+            <a:off x="7598346" y="3265182"/>
             <a:ext cx="0" cy="17538300"/>
           </a:xfrm>
           <a:prstGeom prst="straightConnector1">
@@ -16838,7 +16838,7 @@
         </p:nvCxnSpPr>
         <p:spPr>
           <a:xfrm>
-            <a:off x="20888440" y="3265182"/>
+            <a:off x="20500514" y="3265182"/>
             <a:ext cx="0" cy="17538300"/>
           </a:xfrm>
           <a:prstGeom prst="straightConnector1">
@@ -16980,7 +16980,7 @@
         </p:nvSpPr>
         <p:spPr>
           <a:xfrm>
-            <a:off x="8572963" y="12064199"/>
+            <a:off x="8115763" y="12064199"/>
             <a:ext cx="7717200" cy="554100"/>
           </a:xfrm>
           <a:prstGeom prst="rect">
@@ -17055,7 +17055,7 @@
         </p:nvSpPr>
         <p:spPr>
           <a:xfrm>
-            <a:off x="8572979" y="14228675"/>
+            <a:off x="8115779" y="14228675"/>
             <a:ext cx="5686200" cy="830956"/>
           </a:xfrm>
           <a:prstGeom prst="rect">
@@ -17170,7 +17170,7 @@
         </p:nvCxnSpPr>
         <p:spPr>
           <a:xfrm>
-            <a:off x="11311768" y="13379752"/>
+            <a:off x="10854568" y="13379752"/>
             <a:ext cx="676800" cy="6000"/>
           </a:xfrm>
           <a:prstGeom prst="straightConnector1">
@@ -17196,7 +17196,7 @@
         </p:nvGrpSpPr>
         <p:grpSpPr>
           <a:xfrm>
-            <a:off x="9298168" y="12845602"/>
+            <a:off x="8840968" y="12845602"/>
             <a:ext cx="1785000" cy="1068300"/>
             <a:chOff x="10898368" y="5331917"/>
             <a:chExt cx="1785000" cy="1068300"/>
@@ -17337,7 +17337,7 @@
         </p:nvGrpSpPr>
         <p:grpSpPr>
           <a:xfrm>
-            <a:off x="17770494" y="12845602"/>
+            <a:off x="17313294" y="12845602"/>
             <a:ext cx="1667400" cy="1028021"/>
             <a:chOff x="17770494" y="12071707"/>
             <a:chExt cx="1667400" cy="1028021"/>
@@ -17612,7 +17612,7 @@
         </p:nvGrpSpPr>
         <p:grpSpPr>
           <a:xfrm>
-            <a:off x="12200560" y="12845602"/>
+            <a:off x="11743360" y="12845602"/>
             <a:ext cx="1667487" cy="1015660"/>
             <a:chOff x="14124681" y="5316643"/>
             <a:chExt cx="1667487" cy="1015660"/>
@@ -17753,7 +17753,7 @@
         </p:nvGrpSpPr>
         <p:grpSpPr>
           <a:xfrm>
-            <a:off x="14985527" y="12845602"/>
+            <a:off x="14528327" y="12845602"/>
             <a:ext cx="1667487" cy="1015660"/>
             <a:chOff x="16686889" y="5294909"/>
             <a:chExt cx="1667487" cy="1015660"/>
@@ -17894,7 +17894,7 @@
         </p:nvGrpSpPr>
         <p:grpSpPr>
           <a:xfrm>
-            <a:off x="8287804" y="15313572"/>
+            <a:off x="7830604" y="15313572"/>
             <a:ext cx="5343469" cy="5007113"/>
             <a:chOff x="8534828" y="14606550"/>
             <a:chExt cx="5224865" cy="5310897"/>
@@ -18156,7 +18156,7 @@
         </p:nvCxnSpPr>
         <p:spPr>
           <a:xfrm flipH="1">
-            <a:off x="9140200" y="10613700"/>
+            <a:off x="8683000" y="10613700"/>
             <a:ext cx="10258200" cy="8400"/>
           </a:xfrm>
           <a:prstGeom prst="straightConnector1">
@@ -18624,7 +18624,7 @@
         </p:nvCxnSpPr>
         <p:spPr>
           <a:xfrm>
-            <a:off x="14067543" y="13379490"/>
+            <a:off x="13610343" y="13379490"/>
             <a:ext cx="676800" cy="6000"/>
           </a:xfrm>
           <a:prstGeom prst="straightConnector1">
@@ -18650,7 +18650,7 @@
         </p:nvCxnSpPr>
         <p:spPr>
           <a:xfrm>
-            <a:off x="16857605" y="13330302"/>
+            <a:off x="16400405" y="13330302"/>
             <a:ext cx="676800" cy="9000"/>
           </a:xfrm>
           <a:prstGeom prst="straightConnector1">
@@ -18676,7 +18676,7 @@
         </p:nvGrpSpPr>
         <p:grpSpPr>
           <a:xfrm>
-            <a:off x="14050525" y="17487050"/>
+            <a:off x="13593325" y="17487050"/>
             <a:ext cx="5396100" cy="2994900"/>
             <a:chOff x="14202925" y="17334650"/>
             <a:chExt cx="5396100" cy="2994900"/>
@@ -18995,7 +18995,7 @@
         </p:nvGrpSpPr>
         <p:grpSpPr>
           <a:xfrm>
-            <a:off x="13936225" y="14548350"/>
+            <a:off x="13479025" y="14548350"/>
             <a:ext cx="3475200" cy="2409300"/>
             <a:chOff x="14317225" y="14243550"/>
             <a:chExt cx="3475200" cy="2409300"/>
@@ -19250,7 +19250,7 @@
         </p:nvGrpSpPr>
         <p:grpSpPr>
           <a:xfrm>
-            <a:off x="17411016" y="15238267"/>
+            <a:off x="16953816" y="15238267"/>
             <a:ext cx="3077437" cy="2523194"/>
             <a:chOff x="17644699" y="14319763"/>
             <a:chExt cx="2892600" cy="2586300"/>
@@ -19481,7 +19481,7 @@
         </p:nvSpPr>
         <p:spPr>
           <a:xfrm>
-            <a:off x="11054150" y="2699351"/>
+            <a:off x="10642670" y="2699351"/>
             <a:ext cx="6232200" cy="1015800"/>
           </a:xfrm>
           <a:prstGeom prst="rect">
@@ -19547,7 +19547,7 @@
         </p:nvSpPr>
         <p:spPr>
           <a:xfrm>
-            <a:off x="8462375" y="7444888"/>
+            <a:off x="8005175" y="7444888"/>
             <a:ext cx="8220900" cy="708000"/>
           </a:xfrm>
           <a:prstGeom prst="rect">
@@ -19632,7 +19632,7 @@
         </p:nvSpPr>
         <p:spPr>
           <a:xfrm>
-            <a:off x="8462375" y="5340225"/>
+            <a:off x="8005175" y="5340225"/>
             <a:ext cx="4845900" cy="1508100"/>
           </a:xfrm>
           <a:prstGeom prst="rect">
@@ -19690,7 +19690,7 @@
         </p:nvSpPr>
         <p:spPr>
           <a:xfrm>
-            <a:off x="8995775" y="8404619"/>
+            <a:off x="8538575" y="8404619"/>
             <a:ext cx="2955300" cy="1110300"/>
           </a:xfrm>
           <a:prstGeom prst="rect">
@@ -19748,7 +19748,7 @@
         </p:nvSpPr>
         <p:spPr>
           <a:xfrm>
-            <a:off x="16557250" y="8445719"/>
+            <a:off x="16100050" y="8445719"/>
             <a:ext cx="3077400" cy="1028100"/>
           </a:xfrm>
           <a:prstGeom prst="rect">
@@ -19806,7 +19806,7 @@
         </p:nvCxnSpPr>
         <p:spPr>
           <a:xfrm>
-            <a:off x="8709349" y="9815850"/>
+            <a:off x="8252149" y="9815850"/>
             <a:ext cx="11073300" cy="27600"/>
           </a:xfrm>
           <a:prstGeom prst="straightConnector1">
@@ -19832,7 +19832,7 @@
         </p:nvSpPr>
         <p:spPr>
           <a:xfrm>
-            <a:off x="17952575" y="9790300"/>
+            <a:off x="17495375" y="9790300"/>
             <a:ext cx="1559700" cy="554100"/>
           </a:xfrm>
           <a:prstGeom prst="rect">
@@ -19890,7 +19890,7 @@
         </p:nvSpPr>
         <p:spPr>
           <a:xfrm>
-            <a:off x="8995775" y="9749375"/>
+            <a:off x="8538575" y="9749375"/>
             <a:ext cx="1785000" cy="554100"/>
           </a:xfrm>
           <a:prstGeom prst="rect">
@@ -19948,7 +19948,7 @@
         </p:nvSpPr>
         <p:spPr>
           <a:xfrm>
-            <a:off x="8987850" y="8452019"/>
+            <a:off x="8530650" y="8452019"/>
             <a:ext cx="2955300" cy="1015500"/>
           </a:xfrm>
           <a:prstGeom prst="bracketPair">
@@ -19992,7 +19992,7 @@
         </p:nvSpPr>
         <p:spPr>
           <a:xfrm>
-            <a:off x="12814613" y="8452019"/>
+            <a:off x="12357413" y="8452019"/>
             <a:ext cx="2955300" cy="1015500"/>
           </a:xfrm>
           <a:prstGeom prst="bracketPair">
@@ -20036,7 +20036,7 @@
         </p:nvSpPr>
         <p:spPr>
           <a:xfrm>
-            <a:off x="16618288" y="8452019"/>
+            <a:off x="16161088" y="8452019"/>
             <a:ext cx="2955300" cy="1015500"/>
           </a:xfrm>
           <a:prstGeom prst="bracketPair">
@@ -20080,8 +20080,8 @@
         </p:nvSpPr>
         <p:spPr>
           <a:xfrm>
-            <a:off x="21251288" y="4553298"/>
-            <a:ext cx="3239237" cy="1318166"/>
+            <a:off x="20925105" y="4553298"/>
+            <a:ext cx="3742876" cy="1318166"/>
           </a:xfrm>
           <a:prstGeom prst="rect">
             <a:avLst/>
@@ -20132,8 +20132,8 @@
         </p:nvSpPr>
         <p:spPr>
           <a:xfrm>
-            <a:off x="21251288" y="6236469"/>
-            <a:ext cx="3239237" cy="1015500"/>
+            <a:off x="20925105" y="6236469"/>
+            <a:ext cx="3742876" cy="1015500"/>
           </a:xfrm>
           <a:prstGeom prst="rect">
             <a:avLst/>
@@ -20184,8 +20184,8 @@
         </p:nvSpPr>
         <p:spPr>
           <a:xfrm>
-            <a:off x="21251288" y="7609666"/>
-            <a:ext cx="3239237" cy="1015500"/>
+            <a:off x="20925105" y="7609666"/>
+            <a:ext cx="3742876" cy="1015500"/>
           </a:xfrm>
           <a:prstGeom prst="rect">
             <a:avLst/>
@@ -20243,7 +20243,7 @@
         </p:blipFill>
         <p:spPr>
           <a:xfrm>
-            <a:off x="26857848" y="4073746"/>
+            <a:off x="26857848" y="3813781"/>
             <a:ext cx="595096" cy="601775"/>
           </a:xfrm>
           <a:prstGeom prst="rect">
@@ -20263,8 +20263,8 @@
         </p:nvSpPr>
         <p:spPr>
           <a:xfrm>
-            <a:off x="26001125" y="4616799"/>
-            <a:ext cx="5902506" cy="1254665"/>
+            <a:off x="25126884" y="4571079"/>
+            <a:ext cx="6776747" cy="1254665"/>
           </a:xfrm>
           <a:prstGeom prst="rect">
             <a:avLst/>
@@ -20333,8 +20333,8 @@
         </p:nvSpPr>
         <p:spPr>
           <a:xfrm>
-            <a:off x="26001120" y="6236469"/>
-            <a:ext cx="5902508" cy="1015500"/>
+            <a:off x="25126879" y="6190749"/>
+            <a:ext cx="6776749" cy="1015500"/>
           </a:xfrm>
           <a:prstGeom prst="rect">
             <a:avLst/>
@@ -20404,8 +20404,8 @@
         </p:nvSpPr>
         <p:spPr>
           <a:xfrm>
-            <a:off x="26001125" y="7606866"/>
-            <a:ext cx="5902508" cy="1015500"/>
+            <a:off x="25126884" y="7561146"/>
+            <a:ext cx="6776749" cy="1015500"/>
           </a:xfrm>
           <a:prstGeom prst="rect">
             <a:avLst/>
@@ -20492,8 +20492,8 @@
         </p:nvSpPr>
         <p:spPr>
           <a:xfrm>
-            <a:off x="21251300" y="4420135"/>
-            <a:ext cx="3232800" cy="4598289"/>
+            <a:off x="20834960" y="4420135"/>
+            <a:ext cx="3735438" cy="4482861"/>
           </a:xfrm>
           <a:prstGeom prst="roundRect">
             <a:avLst>
@@ -20503,7 +20503,7 @@
           <a:noFill/>
           <a:ln w="38100" cap="flat" cmpd="sng">
             <a:solidFill>
-              <a:srgbClr val="980000"/>
+              <a:srgbClr val="F5A281"/>
             </a:solidFill>
             <a:prstDash val="dot"/>
             <a:round/>
@@ -20538,8 +20538,8 @@
         </p:nvSpPr>
         <p:spPr>
           <a:xfrm>
-            <a:off x="21257728" y="3953575"/>
-            <a:ext cx="3239231" cy="554100"/>
+            <a:off x="20931546" y="3822795"/>
+            <a:ext cx="3742869" cy="554100"/>
           </a:xfrm>
           <a:prstGeom prst="rect">
             <a:avLst/>
@@ -20590,8 +20590,8 @@
         </p:nvSpPr>
         <p:spPr>
           <a:xfrm>
-            <a:off x="26001116" y="4062700"/>
-            <a:ext cx="5902516" cy="554100"/>
+            <a:off x="27256498" y="3781470"/>
+            <a:ext cx="3435026" cy="554100"/>
           </a:xfrm>
           <a:prstGeom prst="rect">
             <a:avLst/>
@@ -21180,10 +21180,10 @@
                         <a:buNone/>
                       </a:pPr>
                       <a:r>
-                        <a:rPr lang="en-US"/>
+                        <a:rPr lang="en-US" dirty="0"/>
                         <a:t>...</a:t>
                       </a:r>
-                      <a:endParaRPr/>
+                      <a:endParaRPr dirty="0"/>
                     </a:p>
                   </a:txBody>
                   <a:tcPr marL="91425" marR="91425" marT="91425" marB="91425"/>
@@ -21712,7 +21712,7 @@
         </p:nvCxnSpPr>
         <p:spPr>
           <a:xfrm>
-            <a:off x="10882177" y="4941425"/>
+            <a:off x="10424977" y="4941425"/>
             <a:ext cx="3148" cy="398800"/>
           </a:xfrm>
           <a:prstGeom prst="straightConnector1">
@@ -21754,7 +21754,7 @@
         </p:nvCxnSpPr>
         <p:spPr>
           <a:xfrm flipH="1">
-            <a:off x="10882176" y="6848325"/>
+            <a:off x="10424976" y="6848325"/>
             <a:ext cx="3149" cy="487162"/>
           </a:xfrm>
           <a:prstGeom prst="straightConnector1">
@@ -21797,7 +21797,7 @@
         </p:nvCxnSpPr>
         <p:spPr>
           <a:xfrm>
-            <a:off x="22870907" y="5871464"/>
+            <a:off x="22796543" y="5871464"/>
             <a:ext cx="0" cy="365005"/>
           </a:xfrm>
           <a:prstGeom prst="straightConnector1">
@@ -21840,7 +21840,7 @@
         </p:nvCxnSpPr>
         <p:spPr>
           <a:xfrm>
-            <a:off x="22870907" y="7251969"/>
+            <a:off x="22796543" y="7251969"/>
             <a:ext cx="0" cy="357697"/>
           </a:xfrm>
           <a:prstGeom prst="straightConnector1">
@@ -21883,7 +21883,7 @@
         </p:nvCxnSpPr>
         <p:spPr>
           <a:xfrm flipH="1">
-            <a:off x="28952374" y="5871464"/>
+            <a:off x="28515254" y="5825744"/>
             <a:ext cx="4" cy="365005"/>
           </a:xfrm>
           <a:prstGeom prst="straightConnector1">
@@ -21926,7 +21926,7 @@
         </p:nvCxnSpPr>
         <p:spPr>
           <a:xfrm>
-            <a:off x="28952374" y="7251969"/>
+            <a:off x="28515254" y="7206249"/>
             <a:ext cx="5" cy="354897"/>
           </a:xfrm>
           <a:prstGeom prst="straightConnector1">
@@ -21965,7 +21965,7 @@
         </p:nvSpPr>
         <p:spPr>
           <a:xfrm>
-            <a:off x="11054151" y="10971750"/>
+            <a:off x="10596951" y="10971750"/>
             <a:ext cx="6232199" cy="954067"/>
           </a:xfrm>
           <a:prstGeom prst="rect">
@@ -22057,7 +22057,7 @@
         </p:blipFill>
         <p:spPr>
           <a:xfrm>
-            <a:off x="13725508" y="4420262"/>
+            <a:off x="13268308" y="4420262"/>
             <a:ext cx="6205732" cy="2323957"/>
           </a:xfrm>
           <a:prstGeom prst="rect">
@@ -22315,6 +22315,58 @@
           </a:prstGeom>
         </p:spPr>
       </p:pic>
+      <p:sp>
+        <p:nvSpPr>
+          <p:cNvPr id="106" name="Google Shape;184;p1">
+            <a:extLst>
+              <a:ext uri="{FF2B5EF4-FFF2-40B4-BE49-F238E27FC236}">
+                <a16:creationId xmlns:a16="http://schemas.microsoft.com/office/drawing/2014/main" id="{A2CE94E6-2591-6E41-A07E-F449AF79BEFE}"/>
+              </a:ext>
+            </a:extLst>
+          </p:cNvPr>
+          <p:cNvSpPr/>
+          <p:nvPr/>
+        </p:nvSpPr>
+        <p:spPr>
+          <a:xfrm>
+            <a:off x="25001429" y="4520287"/>
+            <a:ext cx="6951229" cy="4214380"/>
+          </a:xfrm>
+          <a:prstGeom prst="roundRect">
+            <a:avLst>
+              <a:gd name="adj" fmla="val 16667"/>
+            </a:avLst>
+          </a:prstGeom>
+          <a:noFill/>
+          <a:ln w="38100" cap="flat" cmpd="sng">
+            <a:solidFill>
+              <a:srgbClr val="F5A281"/>
+            </a:solidFill>
+            <a:prstDash val="dot"/>
+            <a:round/>
+            <a:headEnd type="none" w="sm" len="sm"/>
+            <a:tailEnd type="none" w="sm" len="sm"/>
+          </a:ln>
+        </p:spPr>
+        <p:txBody>
+          <a:bodyPr spcFirstLastPara="1" wrap="square" lIns="91425" tIns="91425" rIns="91425" bIns="91425" anchor="ctr" anchorCtr="0">
+            <a:noAutofit/>
+          </a:bodyPr>
+          <a:lstStyle/>
+          <a:p>
+            <a:pPr marL="0" lvl="0" indent="0" algn="l" rtl="0">
+              <a:spcBef>
+                <a:spcPts val="0"/>
+              </a:spcBef>
+              <a:spcAft>
+                <a:spcPts val="0"/>
+              </a:spcAft>
+              <a:buNone/>
+            </a:pPr>
+            <a:endParaRPr/>
+          </a:p>
+        </p:txBody>
+      </p:sp>
     </p:spTree>
   </p:cSld>
   <p:clrMapOvr>
